--- a/Daily Agendas/Day4.4_PythonTurtle2.pptx
+++ b/Daily Agendas/Day4.4_PythonTurtle2.pptx
@@ -3086,10 +3086,6 @@
               <a:rPr lang="en-US" dirty="0" smtClean="0"/>
               <a:t>27</a:t>
             </a:r>
-            <a:r>
-              <a:rPr lang="en-US" dirty="0" smtClean="0"/>
-              <a:t/>
-            </a:r>
             <a:br>
               <a:rPr lang="en-US" dirty="0" smtClean="0"/>
             </a:br>
@@ -3134,13 +3130,8 @@
             <a:pPr lvl="2"/>
             <a:r>
               <a:rPr lang="en-CA" dirty="0" smtClean="0"/>
-              <a:t>Show Me </a:t>
-            </a:r>
-            <a:r>
-              <a:rPr lang="en-CA" dirty="0" smtClean="0"/>
-              <a:t>Some Working Code</a:t>
-            </a:r>
-            <a:endParaRPr lang="en-CA" dirty="0" smtClean="0"/>
+              <a:t>Show Me Some Working Code</a:t>
+            </a:r>
           </a:p>
           <a:p>
             <a:pPr lvl="1">
@@ -3248,10 +3239,6 @@
               <a:rPr lang="en-US" dirty="0" smtClean="0"/>
               <a:t>27</a:t>
             </a:r>
-            <a:r>
-              <a:rPr lang="en-US" dirty="0" smtClean="0"/>
-              <a:t/>
-            </a:r>
             <a:br>
               <a:rPr lang="en-US" dirty="0" smtClean="0"/>
             </a:br>
@@ -3426,7 +3413,7 @@
         <p:spPr/>
         <p:txBody>
           <a:bodyPr>
-            <a:normAutofit lnSpcReduction="10000"/>
+            <a:normAutofit fontScale="77500" lnSpcReduction="20000"/>
           </a:bodyPr>
           <a:lstStyle/>
           <a:p>
@@ -3460,6 +3447,47 @@
               <a:rPr lang="en-CA" dirty="0" smtClean="0"/>
               <a:t>()</a:t>
             </a:r>
+          </a:p>
+          <a:p>
+            <a:pPr marL="457200" lvl="1" indent="0">
+              <a:buNone/>
+            </a:pPr>
+            <a:endParaRPr lang="en-CA" dirty="0" smtClean="0"/>
+          </a:p>
+          <a:p>
+            <a:r>
+              <a:rPr lang="en-CA" dirty="0" smtClean="0"/>
+              <a:t>Moving The Pen</a:t>
+            </a:r>
+            <a:endParaRPr lang="en-CA" dirty="0"/>
+          </a:p>
+          <a:p>
+            <a:pPr marL="457200" lvl="1" indent="0">
+              <a:buNone/>
+            </a:pPr>
+            <a:r>
+              <a:rPr lang="en-CA" dirty="0" err="1" smtClean="0"/>
+              <a:t>myPen.up</a:t>
+            </a:r>
+            <a:r>
+              <a:rPr lang="en-CA" dirty="0" smtClean="0"/>
+              <a:t>()</a:t>
+            </a:r>
+            <a:endParaRPr lang="en-CA" dirty="0"/>
+          </a:p>
+          <a:p>
+            <a:pPr marL="457200" lvl="1" indent="0">
+              <a:buNone/>
+            </a:pPr>
+            <a:r>
+              <a:rPr lang="en-CA" dirty="0" err="1" smtClean="0"/>
+              <a:t>myPen.down</a:t>
+            </a:r>
+            <a:r>
+              <a:rPr lang="en-CA" dirty="0" smtClean="0"/>
+              <a:t>()</a:t>
+            </a:r>
+            <a:endParaRPr lang="en-CA" dirty="0"/>
           </a:p>
           <a:p>
             <a:pPr lvl="1"/>
